--- a/TRP/BAS/BAS-02/494(P)-BAS-02 - Trainee Presentation.pptx
+++ b/TRP/BAS/BAS-02/494(P)-BAS-02 - Trainee Presentation.pptx
@@ -211,14 +211,6 @@
     </p:ext>
   </p:extLst>
 </p:presentation>
-</file>
-
-<file path=ppt/revisionInfo.xml><?xml version="1.0" encoding="utf-8"?>
-<p1510:revInfo xmlns:a="http://schemas.openxmlformats.org/drawingml/2006/main" xmlns:r="http://schemas.openxmlformats.org/officeDocument/2006/relationships" xmlns:p1510="http://schemas.microsoft.com/office/powerpoint/2015/10/main">
-  <p1510:revLst>
-    <p1510:client id="{0E84768E-2EC3-4932-A7D7-64CA7A4A8220}" v="22" dt="2020-09-25T15:32:34.004"/>
-  </p1510:revLst>
-</p1510:revInfo>
 </file>
 
 <file path=ppt/changesInfos/changesInfo1.xml><?xml version="1.0" encoding="utf-8"?>
@@ -808,7 +800,7 @@
   <pc:docChgLst>
     <pc:chgData name="Adam Arkley" userId="d399d8a812f0f754" providerId="LiveId" clId="{5DA6F803-D590-40BC-9578-3C76A3B4A6FA}"/>
     <pc:docChg chg="custSel addSld modSld">
-      <pc:chgData name="Adam Arkley" userId="d399d8a812f0f754" providerId="LiveId" clId="{5DA6F803-D590-40BC-9578-3C76A3B4A6FA}" dt="2020-09-22T21:06:01.337" v="170" actId="20577"/>
+      <pc:chgData name="Adam Arkley" userId="d399d8a812f0f754" providerId="LiveId" clId="{5DA6F803-D590-40BC-9578-3C76A3B4A6FA}" dt="2020-09-28T18:16:58.856" v="509" actId="20577"/>
       <pc:docMkLst>
         <pc:docMk/>
       </pc:docMkLst>
@@ -866,6 +858,21 @@
           </ac:spMkLst>
         </pc:spChg>
       </pc:sldChg>
+      <pc:sldChg chg="modSp mod">
+        <pc:chgData name="Adam Arkley" userId="d399d8a812f0f754" providerId="LiveId" clId="{5DA6F803-D590-40BC-9578-3C76A3B4A6FA}" dt="2020-09-28T18:16:58.856" v="509" actId="20577"/>
+        <pc:sldMkLst>
+          <pc:docMk/>
+          <pc:sldMk cId="4174039919" sldId="268"/>
+        </pc:sldMkLst>
+        <pc:spChg chg="mod">
+          <ac:chgData name="Adam Arkley" userId="d399d8a812f0f754" providerId="LiveId" clId="{5DA6F803-D590-40BC-9578-3C76A3B4A6FA}" dt="2020-09-28T18:16:58.856" v="509" actId="20577"/>
+          <ac:spMkLst>
+            <pc:docMk/>
+            <pc:sldMk cId="4174039919" sldId="268"/>
+            <ac:spMk id="7" creationId="{81C08BC2-19A8-464B-A2C7-FE134A960E49}"/>
+          </ac:spMkLst>
+        </pc:spChg>
+      </pc:sldChg>
     </pc:docChg>
   </pc:docChgLst>
 </pc:chgInfo>
@@ -954,7 +961,7 @@
             <a:fld id="{C89BED82-0386-424B-8522-487198B6AAA6}" type="datetimeFigureOut">
               <a:rPr lang="nb-NO" smtClean="0"/>
               <a:pPr/>
-              <a:t>25.09.2020</a:t>
+              <a:t>28.09.2020</a:t>
             </a:fld>
             <a:endParaRPr lang="nb-NO"/>
           </a:p>
@@ -1506,7 +1513,7 @@
           <a:p>
             <a:fld id="{3434F07C-7B4A-4A07-9283-14DC65FBC703}" type="datetimeFigureOut">
               <a:rPr lang="en-GB" smtClean="0"/>
-              <a:t>25/09/2020</a:t>
+              <a:t>28/09/2020</a:t>
             </a:fld>
             <a:endParaRPr lang="en-GB"/>
           </a:p>
@@ -1746,7 +1753,7 @@
           <a:p>
             <a:fld id="{3434F07C-7B4A-4A07-9283-14DC65FBC703}" type="datetimeFigureOut">
               <a:rPr lang="en-GB" smtClean="0"/>
-              <a:t>25/09/2020</a:t>
+              <a:t>28/09/2020</a:t>
             </a:fld>
             <a:endParaRPr lang="en-GB"/>
           </a:p>
@@ -2023,7 +2030,7 @@
             <a:fld id="{BB56636F-9E64-48A9-A0E8-D6911EA208CE}" type="datetimeFigureOut">
               <a:rPr lang="nb-NO" smtClean="0"/>
               <a:pPr/>
-              <a:t>25.09.2020</a:t>
+              <a:t>28.09.2020</a:t>
             </a:fld>
             <a:endParaRPr lang="nb-NO"/>
           </a:p>
@@ -2717,7 +2724,7 @@
           <a:p>
             <a:fld id="{3434F07C-7B4A-4A07-9283-14DC65FBC703}" type="datetimeFigureOut">
               <a:rPr lang="en-GB" smtClean="0"/>
-              <a:t>25/09/2020</a:t>
+              <a:t>28/09/2020</a:t>
             </a:fld>
             <a:endParaRPr lang="en-GB"/>
           </a:p>
@@ -3023,7 +3030,7 @@
           <a:p>
             <a:fld id="{3434F07C-7B4A-4A07-9283-14DC65FBC703}" type="datetimeFigureOut">
               <a:rPr lang="en-GB" smtClean="0"/>
-              <a:t>25/09/2020</a:t>
+              <a:t>28/09/2020</a:t>
             </a:fld>
             <a:endParaRPr lang="en-GB"/>
           </a:p>
@@ -3477,7 +3484,7 @@
           <a:p>
             <a:fld id="{3434F07C-7B4A-4A07-9283-14DC65FBC703}" type="datetimeFigureOut">
               <a:rPr lang="en-GB" smtClean="0"/>
-              <a:t>25/09/2020</a:t>
+              <a:t>28/09/2020</a:t>
             </a:fld>
             <a:endParaRPr lang="en-GB"/>
           </a:p>
@@ -3651,7 +3658,7 @@
           <a:p>
             <a:fld id="{3434F07C-7B4A-4A07-9283-14DC65FBC703}" type="datetimeFigureOut">
               <a:rPr lang="en-GB" smtClean="0"/>
-              <a:t>25/09/2020</a:t>
+              <a:t>28/09/2020</a:t>
             </a:fld>
             <a:endParaRPr lang="en-GB"/>
           </a:p>
@@ -3891,7 +3898,7 @@
           <a:p>
             <a:fld id="{3434F07C-7B4A-4A07-9283-14DC65FBC703}" type="datetimeFigureOut">
               <a:rPr lang="en-GB" smtClean="0"/>
-              <a:t>25/09/2020</a:t>
+              <a:t>28/09/2020</a:t>
             </a:fld>
             <a:endParaRPr lang="en-GB"/>
           </a:p>
@@ -4028,7 +4035,7 @@
           <a:p>
             <a:fld id="{3434F07C-7B4A-4A07-9283-14DC65FBC703}" type="datetimeFigureOut">
               <a:rPr lang="en-GB" smtClean="0"/>
-              <a:t>25/09/2020</a:t>
+              <a:t>28/09/2020</a:t>
             </a:fld>
             <a:endParaRPr lang="en-GB"/>
           </a:p>
@@ -4374,7 +4381,7 @@
           <a:p>
             <a:fld id="{3434F07C-7B4A-4A07-9283-14DC65FBC703}" type="datetimeFigureOut">
               <a:rPr lang="en-GB" smtClean="0"/>
-              <a:t>25/09/2020</a:t>
+              <a:t>28/09/2020</a:t>
             </a:fld>
             <a:endParaRPr lang="en-GB"/>
           </a:p>
@@ -4696,7 +4703,7 @@
           <a:p>
             <a:fld id="{3434F07C-7B4A-4A07-9283-14DC65FBC703}" type="datetimeFigureOut">
               <a:rPr lang="en-GB" smtClean="0"/>
-              <a:t>25/09/2020</a:t>
+              <a:t>28/09/2020</a:t>
             </a:fld>
             <a:endParaRPr lang="en-GB"/>
           </a:p>
@@ -4936,7 +4943,7 @@
           <a:p>
             <a:fld id="{3434F07C-7B4A-4A07-9283-14DC65FBC703}" type="datetimeFigureOut">
               <a:rPr lang="en-GB" smtClean="0"/>
-              <a:t>25/09/2020</a:t>
+              <a:t>28/09/2020</a:t>
             </a:fld>
             <a:endParaRPr lang="en-GB"/>
           </a:p>
@@ -5176,7 +5183,7 @@
           <a:p>
             <a:fld id="{3434F07C-7B4A-4A07-9283-14DC65FBC703}" type="datetimeFigureOut">
               <a:rPr lang="en-GB" smtClean="0"/>
-              <a:t>25/09/2020</a:t>
+              <a:t>28/09/2020</a:t>
             </a:fld>
             <a:endParaRPr lang="en-GB"/>
           </a:p>
@@ -5453,7 +5460,7 @@
             <a:fld id="{BB56636F-9E64-48A9-A0E8-D6911EA208CE}" type="datetimeFigureOut">
               <a:rPr lang="nb-NO" smtClean="0"/>
               <a:pPr/>
-              <a:t>25.09.2020</a:t>
+              <a:t>28.09.2020</a:t>
             </a:fld>
             <a:endParaRPr lang="nb-NO"/>
           </a:p>
@@ -5748,7 +5755,7 @@
           <a:p>
             <a:fld id="{3434F07C-7B4A-4A07-9283-14DC65FBC703}" type="datetimeFigureOut">
               <a:rPr lang="en-GB" smtClean="0"/>
-              <a:t>25/09/2020</a:t>
+              <a:t>28/09/2020</a:t>
             </a:fld>
             <a:endParaRPr lang="en-GB"/>
           </a:p>
@@ -6054,7 +6061,7 @@
           <a:p>
             <a:fld id="{3434F07C-7B4A-4A07-9283-14DC65FBC703}" type="datetimeFigureOut">
               <a:rPr lang="en-GB" smtClean="0"/>
-              <a:t>25/09/2020</a:t>
+              <a:t>28/09/2020</a:t>
             </a:fld>
             <a:endParaRPr lang="en-GB"/>
           </a:p>
@@ -6508,7 +6515,7 @@
           <a:p>
             <a:fld id="{3434F07C-7B4A-4A07-9283-14DC65FBC703}" type="datetimeFigureOut">
               <a:rPr lang="en-GB" smtClean="0"/>
-              <a:t>25/09/2020</a:t>
+              <a:t>28/09/2020</a:t>
             </a:fld>
             <a:endParaRPr lang="en-GB"/>
           </a:p>
@@ -6682,7 +6689,7 @@
           <a:p>
             <a:fld id="{3434F07C-7B4A-4A07-9283-14DC65FBC703}" type="datetimeFigureOut">
               <a:rPr lang="en-GB" smtClean="0"/>
-              <a:t>25/09/2020</a:t>
+              <a:t>28/09/2020</a:t>
             </a:fld>
             <a:endParaRPr lang="en-GB"/>
           </a:p>
@@ -6819,7 +6826,7 @@
           <a:p>
             <a:fld id="{3434F07C-7B4A-4A07-9283-14DC65FBC703}" type="datetimeFigureOut">
               <a:rPr lang="en-GB" smtClean="0"/>
-              <a:t>25/09/2020</a:t>
+              <a:t>28/09/2020</a:t>
             </a:fld>
             <a:endParaRPr lang="en-GB"/>
           </a:p>
@@ -7165,7 +7172,7 @@
           <a:p>
             <a:fld id="{3434F07C-7B4A-4A07-9283-14DC65FBC703}" type="datetimeFigureOut">
               <a:rPr lang="en-GB" smtClean="0"/>
-              <a:t>25/09/2020</a:t>
+              <a:t>28/09/2020</a:t>
             </a:fld>
             <a:endParaRPr lang="en-GB"/>
           </a:p>
@@ -7487,7 +7494,7 @@
           <a:p>
             <a:fld id="{3434F07C-7B4A-4A07-9283-14DC65FBC703}" type="datetimeFigureOut">
               <a:rPr lang="en-GB" smtClean="0"/>
-              <a:t>25/09/2020</a:t>
+              <a:t>28/09/2020</a:t>
             </a:fld>
             <a:endParaRPr lang="en-GB"/>
           </a:p>
@@ -12201,6 +12208,17 @@
               <a:rPr lang="en-GB" sz="2600" dirty="0"/>
               <a:t>The AMPCD can display the same page as an MFD.</a:t>
             </a:r>
+          </a:p>
+          <a:p>
+            <a:r>
+              <a:rPr lang="en-GB" sz="2600" dirty="0"/>
+              <a:t>The MDFs each have 20 Option Select Buttons (OSBs), numbered from 1 to 20. OSB 1 is the bottom-most button on the left side of the MFD, with the numbers increasing clockwise around the MFD. Accordingly, OSB 20 is the left-most OSB on the </a:t>
+            </a:r>
+            <a:r>
+              <a:rPr lang="en-GB" sz="2600"/>
+              <a:t>bottom row of buttons.</a:t>
+            </a:r>
+            <a:endParaRPr lang="en-GB" sz="2600" dirty="0"/>
           </a:p>
         </p:txBody>
       </p:sp>
